--- a/talks/ppr-13-11-25.pptx
+++ b/talks/ppr-13-11-25.pptx
@@ -140,7 +140,7 @@
   </p:defaultTextStyle>
   <p:extLst>
     <p:ext uri="{EFAFB233-063F-42B5-8137-9DF3F51BA10A}">
-      <p15:sldGuideLst xmlns:p15="http://schemas.microsoft.com/office/powerpoint/2012/main">
+      <p15:sldGuideLst xmlns:p15="http://schemas.microsoft.com/office/powerpoint/2012/main" xmlns="">
         <p15:guide id="1" orient="horz" pos="2160">
           <p15:clr>
             <a:srgbClr val="A4A3A4"/>
@@ -10373,10 +10373,6 @@
               </a:rPr>
               <a:t>}</a:t>
             </a:r>
-            <a:endParaRPr lang="en-US" sz="2100" b="1" dirty="0" smtClean="0">
-              <a:latin typeface="Courier New" pitchFamily="49" charset="0"/>
-              <a:cs typeface="Courier New" pitchFamily="49" charset="0"/>
-            </a:endParaRPr>
           </a:p>
         </p:txBody>
       </p:sp>
@@ -11039,10 +11035,6 @@
               </a:rPr>
               <a:t>}</a:t>
             </a:r>
-            <a:endParaRPr lang="en-US" sz="2100" b="1" dirty="0" smtClean="0">
-              <a:latin typeface="Courier New" pitchFamily="49" charset="0"/>
-              <a:cs typeface="Courier New" pitchFamily="49" charset="0"/>
-            </a:endParaRPr>
           </a:p>
         </p:txBody>
       </p:sp>
@@ -11245,7 +11237,7 @@
               <a:t>  </a:t>
             </a:r>
             <a:r>
-              <a:rPr lang="en-US" sz="2100" b="1" dirty="0" err="1" smtClean="0">
+              <a:rPr lang="en-US" sz="2100" b="1" dirty="0" smtClean="0">
                 <a:solidFill>
                   <a:srgbClr val="7BA79D">
                     <a:lumMod val="75000"/>
@@ -11254,10 +11246,152 @@
                 <a:latin typeface="Courier New" pitchFamily="49" charset="0"/>
                 <a:cs typeface="Courier New" pitchFamily="49" charset="0"/>
               </a:rPr>
-              <a:t>on_start</a:t>
+              <a:t>on start    </a:t>
             </a:r>
             <a:r>
               <a:rPr lang="en-US" sz="2100" b="1" dirty="0" smtClean="0">
+                <a:solidFill>
+                  <a:prstClr val="black"/>
+                </a:solidFill>
+                <a:latin typeface="Courier New" pitchFamily="49" charset="0"/>
+                <a:cs typeface="Courier New" pitchFamily="49" charset="0"/>
+              </a:rPr>
+              <a:t>{</a:t>
+            </a:r>
+            <a:r>
+              <a:rPr lang="en-US" sz="2100" dirty="0" smtClean="0">
+                <a:solidFill>
+                  <a:prstClr val="black"/>
+                </a:solidFill>
+                <a:latin typeface="Courier New" pitchFamily="49" charset="0"/>
+                <a:cs typeface="Courier New" pitchFamily="49" charset="0"/>
+              </a:rPr>
+              <a:t> </a:t>
+            </a:r>
+            <a:r>
+              <a:rPr lang="en-US" sz="2100" dirty="0">
+                <a:solidFill>
+                  <a:schemeClr val="accent2">
+                    <a:lumMod val="50000"/>
+                  </a:schemeClr>
+                </a:solidFill>
+                <a:latin typeface="Courier New" pitchFamily="49" charset="0"/>
+                <a:cs typeface="Courier New" pitchFamily="49" charset="0"/>
+              </a:rPr>
+              <a:t>@</a:t>
+            </a:r>
+            <a:r>
+              <a:rPr lang="en-US" sz="2100" dirty="0" err="1" smtClean="0">
+                <a:solidFill>
+                  <a:schemeClr val="accent2">
+                    <a:lumMod val="50000"/>
+                  </a:schemeClr>
+                </a:solidFill>
+                <a:latin typeface="Courier New" pitchFamily="49" charset="0"/>
+                <a:cs typeface="Courier New" pitchFamily="49" charset="0"/>
+              </a:rPr>
+              <a:t>gui</a:t>
+            </a:r>
+            <a:r>
+              <a:rPr lang="en-US" sz="2100" dirty="0" smtClean="0">
+                <a:solidFill>
+                  <a:schemeClr val="accent2">
+                    <a:lumMod val="50000"/>
+                  </a:schemeClr>
+                </a:solidFill>
+                <a:latin typeface="Courier New" pitchFamily="49" charset="0"/>
+                <a:cs typeface="Courier New" pitchFamily="49" charset="0"/>
+              </a:rPr>
+              <a:t> </a:t>
+            </a:r>
+            <a:r>
+              <a:rPr lang="en-US" sz="2100" dirty="0" smtClean="0">
+                <a:solidFill>
+                  <a:prstClr val="black"/>
+                </a:solidFill>
+                <a:latin typeface="Courier New" pitchFamily="49" charset="0"/>
+                <a:cs typeface="Courier New" pitchFamily="49" charset="0"/>
+              </a:rPr>
+              <a:t>= </a:t>
+            </a:r>
+            <a:r>
+              <a:rPr lang="en-US" sz="2100" dirty="0" err="1" smtClean="0">
+                <a:solidFill>
+                  <a:prstClr val="black"/>
+                </a:solidFill>
+                <a:latin typeface="Courier New" pitchFamily="49" charset="0"/>
+                <a:cs typeface="Courier New" pitchFamily="49" charset="0"/>
+              </a:rPr>
+              <a:t>MyGui.new</a:t>
+            </a:r>
+            <a:r>
+              <a:rPr lang="en-US" sz="2100" dirty="0" smtClean="0">
+                <a:solidFill>
+                  <a:prstClr val="black"/>
+                </a:solidFill>
+                <a:latin typeface="Courier New" pitchFamily="49" charset="0"/>
+                <a:cs typeface="Courier New" pitchFamily="49" charset="0"/>
+              </a:rPr>
+              <a:t>; </a:t>
+            </a:r>
+            <a:r>
+              <a:rPr lang="en-US" sz="2100" dirty="0" smtClean="0">
+                <a:solidFill>
+                  <a:schemeClr val="accent2">
+                    <a:lumMod val="50000"/>
+                  </a:schemeClr>
+                </a:solidFill>
+                <a:latin typeface="Courier New" pitchFamily="49" charset="0"/>
+                <a:cs typeface="Courier New" pitchFamily="49" charset="0"/>
+              </a:rPr>
+              <a:t>@</a:t>
+            </a:r>
+            <a:r>
+              <a:rPr lang="en-US" sz="2100" dirty="0" err="1" smtClean="0">
+                <a:solidFill>
+                  <a:schemeClr val="accent2">
+                    <a:lumMod val="50000"/>
+                  </a:schemeClr>
+                </a:solidFill>
+                <a:latin typeface="Courier New" pitchFamily="49" charset="0"/>
+                <a:cs typeface="Courier New" pitchFamily="49" charset="0"/>
+              </a:rPr>
+              <a:t>gui</a:t>
+            </a:r>
+            <a:r>
+              <a:rPr lang="en-US" sz="2100" dirty="0" err="1" smtClean="0">
+                <a:solidFill>
+                  <a:prstClr val="black"/>
+                </a:solidFill>
+                <a:latin typeface="Courier New" pitchFamily="49" charset="0"/>
+                <a:cs typeface="Courier New" pitchFamily="49" charset="0"/>
+              </a:rPr>
+              <a:t>.start</a:t>
+            </a:r>
+            <a:r>
+              <a:rPr lang="en-US" sz="2100" dirty="0" smtClean="0">
+                <a:solidFill>
+                  <a:prstClr val="black"/>
+                </a:solidFill>
+                <a:latin typeface="Courier New" pitchFamily="49" charset="0"/>
+                <a:cs typeface="Courier New" pitchFamily="49" charset="0"/>
+              </a:rPr>
+              <a:t>() </a:t>
+            </a:r>
+            <a:r>
+              <a:rPr lang="en-US" sz="2100" b="1" dirty="0" smtClean="0">
+                <a:solidFill>
+                  <a:prstClr val="black"/>
+                </a:solidFill>
+                <a:latin typeface="Courier New" pitchFamily="49" charset="0"/>
+                <a:cs typeface="Courier New" pitchFamily="49" charset="0"/>
+              </a:rPr>
+              <a:t>}</a:t>
+            </a:r>
+          </a:p>
+          <a:p>
+            <a:r>
+              <a:rPr lang="en-US" sz="2100" b="1" smtClean="0">
                 <a:solidFill>
                   <a:srgbClr val="7BA79D">
                     <a:lumMod val="75000"/>
@@ -11266,185 +11400,7 @@
                 <a:latin typeface="Courier New" pitchFamily="49" charset="0"/>
                 <a:cs typeface="Courier New" pitchFamily="49" charset="0"/>
               </a:rPr>
-              <a:t>    </a:t>
-            </a:r>
-            <a:r>
-              <a:rPr lang="en-US" sz="2100" b="1" dirty="0" smtClean="0">
-                <a:solidFill>
-                  <a:prstClr val="black"/>
-                </a:solidFill>
-                <a:latin typeface="Courier New" pitchFamily="49" charset="0"/>
-                <a:cs typeface="Courier New" pitchFamily="49" charset="0"/>
-              </a:rPr>
-              <a:t>{</a:t>
-            </a:r>
-            <a:r>
-              <a:rPr lang="en-US" sz="2100" dirty="0" smtClean="0">
-                <a:solidFill>
-                  <a:prstClr val="black"/>
-                </a:solidFill>
-                <a:latin typeface="Courier New" pitchFamily="49" charset="0"/>
-                <a:cs typeface="Courier New" pitchFamily="49" charset="0"/>
-              </a:rPr>
-              <a:t> </a:t>
-            </a:r>
-            <a:r>
-              <a:rPr lang="en-US" sz="2100" dirty="0">
-                <a:solidFill>
-                  <a:schemeClr val="accent2">
-                    <a:lumMod val="50000"/>
-                  </a:schemeClr>
-                </a:solidFill>
-                <a:latin typeface="Courier New" pitchFamily="49" charset="0"/>
-                <a:cs typeface="Courier New" pitchFamily="49" charset="0"/>
-              </a:rPr>
-              <a:t>@</a:t>
-            </a:r>
-            <a:r>
-              <a:rPr lang="en-US" sz="2100" dirty="0" err="1" smtClean="0">
-                <a:solidFill>
-                  <a:schemeClr val="accent2">
-                    <a:lumMod val="50000"/>
-                  </a:schemeClr>
-                </a:solidFill>
-                <a:latin typeface="Courier New" pitchFamily="49" charset="0"/>
-                <a:cs typeface="Courier New" pitchFamily="49" charset="0"/>
-              </a:rPr>
-              <a:t>gui</a:t>
-            </a:r>
-            <a:r>
-              <a:rPr lang="en-US" sz="2100" dirty="0" smtClean="0">
-                <a:solidFill>
-                  <a:schemeClr val="accent2">
-                    <a:lumMod val="50000"/>
-                  </a:schemeClr>
-                </a:solidFill>
-                <a:latin typeface="Courier New" pitchFamily="49" charset="0"/>
-                <a:cs typeface="Courier New" pitchFamily="49" charset="0"/>
-              </a:rPr>
-              <a:t> </a:t>
-            </a:r>
-            <a:r>
-              <a:rPr lang="en-US" sz="2100" dirty="0" smtClean="0">
-                <a:solidFill>
-                  <a:prstClr val="black"/>
-                </a:solidFill>
-                <a:latin typeface="Courier New" pitchFamily="49" charset="0"/>
-                <a:cs typeface="Courier New" pitchFamily="49" charset="0"/>
-              </a:rPr>
-              <a:t>= </a:t>
-            </a:r>
-            <a:r>
-              <a:rPr lang="en-US" sz="2100" dirty="0" err="1" smtClean="0">
-                <a:solidFill>
-                  <a:prstClr val="black"/>
-                </a:solidFill>
-                <a:latin typeface="Courier New" pitchFamily="49" charset="0"/>
-                <a:cs typeface="Courier New" pitchFamily="49" charset="0"/>
-              </a:rPr>
-              <a:t>MyGui.new</a:t>
-            </a:r>
-            <a:r>
-              <a:rPr lang="en-US" sz="2100" dirty="0" smtClean="0">
-                <a:solidFill>
-                  <a:prstClr val="black"/>
-                </a:solidFill>
-                <a:latin typeface="Courier New" pitchFamily="49" charset="0"/>
-                <a:cs typeface="Courier New" pitchFamily="49" charset="0"/>
-              </a:rPr>
-              <a:t>; </a:t>
-            </a:r>
-            <a:r>
-              <a:rPr lang="en-US" sz="2100" dirty="0" smtClean="0">
-                <a:solidFill>
-                  <a:schemeClr val="accent2">
-                    <a:lumMod val="50000"/>
-                  </a:schemeClr>
-                </a:solidFill>
-                <a:latin typeface="Courier New" pitchFamily="49" charset="0"/>
-                <a:cs typeface="Courier New" pitchFamily="49" charset="0"/>
-              </a:rPr>
-              <a:t>@</a:t>
-            </a:r>
-            <a:r>
-              <a:rPr lang="en-US" sz="2100" dirty="0" err="1" smtClean="0">
-                <a:solidFill>
-                  <a:schemeClr val="accent2">
-                    <a:lumMod val="50000"/>
-                  </a:schemeClr>
-                </a:solidFill>
-                <a:latin typeface="Courier New" pitchFamily="49" charset="0"/>
-                <a:cs typeface="Courier New" pitchFamily="49" charset="0"/>
-              </a:rPr>
-              <a:t>gui</a:t>
-            </a:r>
-            <a:r>
-              <a:rPr lang="en-US" sz="2100" dirty="0" err="1" smtClean="0">
-                <a:solidFill>
-                  <a:prstClr val="black"/>
-                </a:solidFill>
-                <a:latin typeface="Courier New" pitchFamily="49" charset="0"/>
-                <a:cs typeface="Courier New" pitchFamily="49" charset="0"/>
-              </a:rPr>
-              <a:t>.start</a:t>
-            </a:r>
-            <a:r>
-              <a:rPr lang="en-US" sz="2100" dirty="0" smtClean="0">
-                <a:solidFill>
-                  <a:prstClr val="black"/>
-                </a:solidFill>
-                <a:latin typeface="Courier New" pitchFamily="49" charset="0"/>
-                <a:cs typeface="Courier New" pitchFamily="49" charset="0"/>
-              </a:rPr>
-              <a:t>() </a:t>
-            </a:r>
-            <a:r>
-              <a:rPr lang="en-US" sz="2100" b="1" dirty="0" smtClean="0">
-                <a:solidFill>
-                  <a:prstClr val="black"/>
-                </a:solidFill>
-                <a:latin typeface="Courier New" pitchFamily="49" charset="0"/>
-                <a:cs typeface="Courier New" pitchFamily="49" charset="0"/>
-              </a:rPr>
-              <a:t>}</a:t>
-            </a:r>
-          </a:p>
-          <a:p>
-            <a:r>
-              <a:rPr lang="en-US" sz="2100" b="1" dirty="0" smtClean="0">
-                <a:solidFill>
-                  <a:srgbClr val="7BA79D">
-                    <a:lumMod val="75000"/>
-                  </a:srgbClr>
-                </a:solidFill>
-                <a:latin typeface="Courier New" pitchFamily="49" charset="0"/>
-                <a:cs typeface="Courier New" pitchFamily="49" charset="0"/>
-              </a:rPr>
-              <a:t>  </a:t>
-            </a:r>
-            <a:r>
-              <a:rPr lang="en-US" sz="2100" b="1" dirty="0" err="1" smtClean="0">
-                <a:solidFill>
-                  <a:srgbClr val="7BA79D">
-                    <a:lumMod val="75000"/>
-                  </a:srgbClr>
-                </a:solidFill>
-                <a:latin typeface="Courier New" pitchFamily="49" charset="0"/>
-                <a:cs typeface="Courier New" pitchFamily="49" charset="0"/>
-              </a:rPr>
-              <a:t>on_exit</a:t>
-            </a:r>
-            <a:r>
-              <a:rPr lang="en-US" sz="2100" b="1" dirty="0" smtClean="0">
-                <a:solidFill>
-                  <a:srgbClr val="7BA79D">
-                    <a:lumMod val="75000"/>
-                  </a:srgbClr>
-                </a:solidFill>
-                <a:latin typeface="Courier New" pitchFamily="49" charset="0"/>
-                <a:cs typeface="Courier New" pitchFamily="49" charset="0"/>
-              </a:rPr>
-              <a:t>     </a:t>
+              <a:t>  on exit     </a:t>
             </a:r>
             <a:r>
               <a:rPr lang="en-US" sz="2100" b="1" dirty="0" smtClean="0">
@@ -13703,7 +13659,7 @@
       </p:sp>
       <p:pic>
         <p:nvPicPr>
-          <p:cNvPr id="8" name="Picture 7"/>
+          <p:cNvPr id="3" name="Picture 2"/>
           <p:cNvPicPr>
             <a:picLocks noChangeAspect="1"/>
           </p:cNvPicPr>
@@ -13717,13 +13673,13 @@
               </a:ext>
             </a:extLst>
           </a:blip>
-          <a:srcRect t="2222" r="13333" b="27778"/>
+          <a:srcRect t="1" b="14073"/>
           <a:stretch/>
         </p:blipFill>
         <p:spPr>
           <a:xfrm>
-            <a:off x="726948" y="1752600"/>
-            <a:ext cx="7924800" cy="4800600"/>
+            <a:off x="838200" y="1546011"/>
+            <a:ext cx="8077200" cy="5205307"/>
           </a:xfrm>
           <a:prstGeom prst="rect">
             <a:avLst/>
@@ -21075,7 +21031,7 @@
         </p:blipFill>
         <p:spPr bwMode="auto">
           <a:xfrm>
-            <a:off x="7087032" y="1600200"/>
+            <a:off x="7087032" y="1524000"/>
             <a:ext cx="2043716" cy="1253289"/>
           </a:xfrm>
           <a:prstGeom prst="rect">
@@ -21111,7 +21067,7 @@
         </p:spPr>
         <p:txBody>
           <a:bodyPr>
-            <a:normAutofit/>
+            <a:normAutofit fontScale="92500" lnSpcReduction="10000"/>
           </a:bodyPr>
           <a:lstStyle/>
           <a:p>
@@ -21131,13 +21087,8 @@
             </a:r>
             <a:r>
               <a:rPr lang="en-US" sz="3200" dirty="0" smtClean="0"/>
-              <a:t> </a:t>
-            </a:r>
-            <a:r>
-              <a:rPr lang="en-US" sz="3200" dirty="0" smtClean="0"/>
-              <a:t>applications</a:t>
-            </a:r>
-            <a:endParaRPr lang="en-US" sz="3200" dirty="0" smtClean="0"/>
+              <a:t> applications</a:t>
+            </a:r>
           </a:p>
           <a:p>
             <a:pPr lvl="1"/>
@@ -21170,9 +21121,38 @@
             <a:pPr lvl="1"/>
             <a:r>
               <a:rPr lang="en-US" sz="2800" dirty="0" smtClean="0"/>
-              <a:t>implemented for Ruby on Rails</a:t>
-            </a:r>
-            <a:endParaRPr lang="en-US" sz="2800" dirty="0"/>
+              <a:t>implemented for Ruby on </a:t>
+            </a:r>
+            <a:r>
+              <a:rPr lang="en-US" sz="2800" dirty="0" smtClean="0"/>
+              <a:t>Rails</a:t>
+            </a:r>
+          </a:p>
+          <a:p>
+            <a:endParaRPr lang="en-US" sz="1100" dirty="0" smtClean="0"/>
+          </a:p>
+          <a:p>
+            <a:r>
+              <a:rPr lang="en-US" sz="3200" dirty="0" smtClean="0"/>
+              <a:t>Prototype for </a:t>
+            </a:r>
+            <a:r>
+              <a:rPr lang="en-US" sz="3200" dirty="0" smtClean="0">
+                <a:solidFill>
+                  <a:schemeClr val="accent5">
+                    <a:lumMod val="75000"/>
+                  </a:schemeClr>
+                </a:solidFill>
+              </a:rPr>
+              <a:t>ROS</a:t>
+            </a:r>
+            <a:endParaRPr lang="en-US" sz="3200" dirty="0" smtClean="0">
+              <a:solidFill>
+                <a:schemeClr val="accent5">
+                  <a:lumMod val="75000"/>
+                </a:schemeClr>
+              </a:solidFill>
+            </a:endParaRPr>
           </a:p>
           <a:p>
             <a:endParaRPr lang="en-US" sz="1100" dirty="0" smtClean="0">
@@ -21200,15 +21180,7 @@
             <a:pPr lvl="1"/>
             <a:r>
               <a:rPr lang="en-US" sz="2800" dirty="0" smtClean="0"/>
-              <a:t>adapt our </a:t>
-            </a:r>
-            <a:r>
-              <a:rPr lang="en-US" sz="2800" dirty="0" smtClean="0"/>
-              <a:t>paradigm </a:t>
-            </a:r>
-            <a:r>
-              <a:rPr lang="en-US" sz="2800" dirty="0" smtClean="0"/>
-              <a:t>to programming robots</a:t>
+              <a:t>adapt our paradigm to programming robots</a:t>
             </a:r>
           </a:p>
           <a:p>
@@ -21243,7 +21215,7 @@
         </p:blipFill>
         <p:spPr bwMode="auto">
           <a:xfrm>
-            <a:off x="8264204" y="3048000"/>
+            <a:off x="8264204" y="2971800"/>
             <a:ext cx="648092" cy="838200"/>
           </a:xfrm>
           <a:prstGeom prst="rect">
@@ -21283,7 +21255,7 @@
         </p:blipFill>
         <p:spPr>
           <a:xfrm>
-            <a:off x="7391400" y="3124200"/>
+            <a:off x="7391400" y="3048000"/>
             <a:ext cx="685800" cy="685800"/>
           </a:xfrm>
           <a:prstGeom prst="rect">
@@ -21314,7 +21286,7 @@
         </p:blipFill>
         <p:spPr bwMode="auto">
           <a:xfrm>
-            <a:off x="7543800" y="4762500"/>
+            <a:off x="7543800" y="4038600"/>
             <a:ext cx="1333500" cy="1333500"/>
           </a:xfrm>
           <a:prstGeom prst="rect">
@@ -21562,15 +21534,64 @@
                                   </p:childTnLst>
                                 </p:cTn>
                               </p:par>
+                            </p:childTnLst>
+                          </p:cTn>
+                        </p:par>
+                      </p:childTnLst>
+                    </p:cTn>
+                  </p:par>
+                  <p:par>
+                    <p:cTn id="17" fill="hold">
+                      <p:stCondLst>
+                        <p:cond delay="indefinite"/>
+                      </p:stCondLst>
+                      <p:childTnLst>
+                        <p:par>
+                          <p:cTn id="18" fill="hold">
+                            <p:stCondLst>
+                              <p:cond delay="0"/>
+                            </p:stCondLst>
+                            <p:childTnLst>
                               <p:par>
-                                <p:cTn id="17" presetID="1" presetClass="entr" presetSubtype="0" fill="hold" nodeType="withEffect">
+                                <p:cTn id="19" presetID="1" presetClass="entr" presetSubtype="0" fill="hold" grpId="0" nodeType="clickEffect">
                                   <p:stCondLst>
                                     <p:cond delay="0"/>
                                   </p:stCondLst>
                                   <p:childTnLst>
                                     <p:set>
                                       <p:cBhvr>
-                                        <p:cTn id="18" dur="1" fill="hold">
+                                        <p:cTn id="20" dur="1" fill="hold">
+                                          <p:stCondLst>
+                                            <p:cond delay="0"/>
+                                          </p:stCondLst>
+                                        </p:cTn>
+                                        <p:tgtEl>
+                                          <p:spTgt spid="3">
+                                            <p:txEl>
+                                              <p:pRg st="6" end="6"/>
+                                            </p:txEl>
+                                          </p:spTgt>
+                                        </p:tgtEl>
+                                        <p:attrNameLst>
+                                          <p:attrName>style.visibility</p:attrName>
+                                        </p:attrNameLst>
+                                      </p:cBhvr>
+                                      <p:to>
+                                        <p:strVal val="visible"/>
+                                      </p:to>
+                                    </p:set>
+                                  </p:childTnLst>
+                                </p:cTn>
+                              </p:par>
+                              <p:par>
+                                <p:cTn id="21" presetID="1" presetClass="entr" presetSubtype="0" fill="hold" nodeType="withEffect">
+                                  <p:stCondLst>
+                                    <p:cond delay="0"/>
+                                  </p:stCondLst>
+                                  <p:childTnLst>
+                                    <p:set>
+                                      <p:cBhvr>
+                                        <p:cTn id="22" dur="1" fill="hold">
                                           <p:stCondLst>
                                             <p:cond delay="0"/>
                                           </p:stCondLst>
@@ -21590,14 +21611,14 @@
                                 </p:cTn>
                               </p:par>
                               <p:par>
-                                <p:cTn id="19" presetID="1" presetClass="entr" presetSubtype="0" fill="hold" nodeType="withEffect">
+                                <p:cTn id="23" presetID="1" presetClass="entr" presetSubtype="0" fill="hold" nodeType="withEffect">
                                   <p:stCondLst>
                                     <p:cond delay="0"/>
                                   </p:stCondLst>
                                   <p:childTnLst>
                                     <p:set>
                                       <p:cBhvr>
-                                        <p:cTn id="20" dur="1" fill="hold">
+                                        <p:cTn id="24" dur="1" fill="hold">
                                           <p:stCondLst>
                                             <p:cond delay="0"/>
                                           </p:stCondLst>
@@ -21623,81 +21644,19 @@
                     </p:cTn>
                   </p:par>
                   <p:par>
-                    <p:cTn id="21" fill="hold">
+                    <p:cTn id="25" fill="hold">
                       <p:stCondLst>
                         <p:cond delay="indefinite"/>
                       </p:stCondLst>
                       <p:childTnLst>
                         <p:par>
-                          <p:cTn id="22" fill="hold">
+                          <p:cTn id="26" fill="hold">
                             <p:stCondLst>
                               <p:cond delay="0"/>
                             </p:stCondLst>
                             <p:childTnLst>
                               <p:par>
-                                <p:cTn id="23" presetID="1" presetClass="entr" presetSubtype="0" fill="hold" grpId="0" nodeType="clickEffect">
-                                  <p:stCondLst>
-                                    <p:cond delay="0"/>
-                                  </p:stCondLst>
-                                  <p:childTnLst>
-                                    <p:set>
-                                      <p:cBhvr>
-                                        <p:cTn id="24" dur="1" fill="hold">
-                                          <p:stCondLst>
-                                            <p:cond delay="0"/>
-                                          </p:stCondLst>
-                                        </p:cTn>
-                                        <p:tgtEl>
-                                          <p:spTgt spid="3">
-                                            <p:txEl>
-                                              <p:pRg st="6" end="6"/>
-                                            </p:txEl>
-                                          </p:spTgt>
-                                        </p:tgtEl>
-                                        <p:attrNameLst>
-                                          <p:attrName>style.visibility</p:attrName>
-                                        </p:attrNameLst>
-                                      </p:cBhvr>
-                                      <p:to>
-                                        <p:strVal val="visible"/>
-                                      </p:to>
-                                    </p:set>
-                                  </p:childTnLst>
-                                </p:cTn>
-                              </p:par>
-                              <p:par>
-                                <p:cTn id="25" presetID="1" presetClass="entr" presetSubtype="0" fill="hold" grpId="0" nodeType="withEffect">
-                                  <p:stCondLst>
-                                    <p:cond delay="0"/>
-                                  </p:stCondLst>
-                                  <p:childTnLst>
-                                    <p:set>
-                                      <p:cBhvr>
-                                        <p:cTn id="26" dur="1" fill="hold">
-                                          <p:stCondLst>
-                                            <p:cond delay="0"/>
-                                          </p:stCondLst>
-                                        </p:cTn>
-                                        <p:tgtEl>
-                                          <p:spTgt spid="3">
-                                            <p:txEl>
-                                              <p:pRg st="7" end="7"/>
-                                            </p:txEl>
-                                          </p:spTgt>
-                                        </p:tgtEl>
-                                        <p:attrNameLst>
-                                          <p:attrName>style.visibility</p:attrName>
-                                        </p:attrNameLst>
-                                      </p:cBhvr>
-                                      <p:to>
-                                        <p:strVal val="visible"/>
-                                      </p:to>
-                                    </p:set>
-                                  </p:childTnLst>
-                                </p:cTn>
-                              </p:par>
-                              <p:par>
-                                <p:cTn id="27" presetID="1" presetClass="entr" presetSubtype="0" fill="hold" grpId="0" nodeType="withEffect">
+                                <p:cTn id="27" presetID="1" presetClass="entr" presetSubtype="0" fill="hold" grpId="0" nodeType="clickEffect">
                                   <p:stCondLst>
                                     <p:cond delay="0"/>
                                   </p:stCondLst>
@@ -21759,7 +21718,7 @@
                                 </p:cTn>
                               </p:par>
                               <p:par>
-                                <p:cTn id="31" presetID="1" presetClass="entr" presetSubtype="0" fill="hold" nodeType="withEffect">
+                                <p:cTn id="31" presetID="1" presetClass="entr" presetSubtype="0" fill="hold" grpId="0" nodeType="withEffect">
                                   <p:stCondLst>
                                     <p:cond delay="0"/>
                                   </p:stCondLst>
@@ -21767,6 +21726,68 @@
                                     <p:set>
                                       <p:cBhvr>
                                         <p:cTn id="32" dur="1" fill="hold">
+                                          <p:stCondLst>
+                                            <p:cond delay="0"/>
+                                          </p:stCondLst>
+                                        </p:cTn>
+                                        <p:tgtEl>
+                                          <p:spTgt spid="3">
+                                            <p:txEl>
+                                              <p:pRg st="10" end="10"/>
+                                            </p:txEl>
+                                          </p:spTgt>
+                                        </p:tgtEl>
+                                        <p:attrNameLst>
+                                          <p:attrName>style.visibility</p:attrName>
+                                        </p:attrNameLst>
+                                      </p:cBhvr>
+                                      <p:to>
+                                        <p:strVal val="visible"/>
+                                      </p:to>
+                                    </p:set>
+                                  </p:childTnLst>
+                                </p:cTn>
+                              </p:par>
+                              <p:par>
+                                <p:cTn id="33" presetID="1" presetClass="entr" presetSubtype="0" fill="hold" grpId="0" nodeType="withEffect">
+                                  <p:stCondLst>
+                                    <p:cond delay="0"/>
+                                  </p:stCondLst>
+                                  <p:childTnLst>
+                                    <p:set>
+                                      <p:cBhvr>
+                                        <p:cTn id="34" dur="1" fill="hold">
+                                          <p:stCondLst>
+                                            <p:cond delay="0"/>
+                                          </p:stCondLst>
+                                        </p:cTn>
+                                        <p:tgtEl>
+                                          <p:spTgt spid="3">
+                                            <p:txEl>
+                                              <p:pRg st="11" end="11"/>
+                                            </p:txEl>
+                                          </p:spTgt>
+                                        </p:tgtEl>
+                                        <p:attrNameLst>
+                                          <p:attrName>style.visibility</p:attrName>
+                                        </p:attrNameLst>
+                                      </p:cBhvr>
+                                      <p:to>
+                                        <p:strVal val="visible"/>
+                                      </p:to>
+                                    </p:set>
+                                  </p:childTnLst>
+                                </p:cTn>
+                              </p:par>
+                              <p:par>
+                                <p:cTn id="35" presetID="1" presetClass="entr" presetSubtype="0" fill="hold" nodeType="withEffect">
+                                  <p:stCondLst>
+                                    <p:cond delay="0"/>
+                                  </p:stCondLst>
+                                  <p:childTnLst>
+                                    <p:set>
+                                      <p:cBhvr>
+                                        <p:cTn id="36" dur="1" fill="hold">
                                           <p:stCondLst>
                                             <p:cond delay="0"/>
                                           </p:stCondLst>
@@ -22068,11 +22089,7 @@
             </a:r>
             <a:r>
               <a:rPr lang="en-US" sz="2800" dirty="0" smtClean="0"/>
-              <a:t> </a:t>
-            </a:r>
-            <a:r>
-              <a:rPr lang="en-US" sz="2800" dirty="0" smtClean="0"/>
-              <a:t>programming </a:t>
+              <a:t> programming </a:t>
             </a:r>
             <a:r>
               <a:rPr lang="en-US" sz="2800" dirty="0" smtClean="0">
@@ -22240,15 +22257,7 @@
             </a:r>
             <a:r>
               <a:rPr lang="en-US" sz="2400" dirty="0" smtClean="0"/>
-              <a:t>can be defined </a:t>
-            </a:r>
-            <a:r>
-              <a:rPr lang="en-US" sz="2400" dirty="0" smtClean="0"/>
-              <a:t>independently and </a:t>
-            </a:r>
-            <a:r>
-              <a:rPr lang="en-US" sz="2400" dirty="0" smtClean="0"/>
-              <a:t>automatically </a:t>
+              <a:t>can be defined independently and automatically </a:t>
             </a:r>
             <a:r>
               <a:rPr lang="en-US" sz="2400" dirty="0" smtClean="0">
@@ -22264,7 +22273,6 @@
               <a:rPr lang="en-US" sz="2400" dirty="0" smtClean="0"/>
               <a:t>at runtime</a:t>
             </a:r>
-            <a:endParaRPr lang="en-US" sz="2400" dirty="0" smtClean="0"/>
           </a:p>
           <a:p>
             <a:pPr lvl="1"/>
@@ -24380,14 +24388,7 @@
                 <a:latin typeface="Courier New" pitchFamily="49" charset="0"/>
                 <a:cs typeface="Courier New" pitchFamily="49" charset="0"/>
               </a:rPr>
-              <a:t>    [code to execute</a:t>
-            </a:r>
-            <a:r>
-              <a:rPr lang="en-US" sz="1600" dirty="0" smtClean="0">
-                <a:latin typeface="Courier New" pitchFamily="49" charset="0"/>
-                <a:cs typeface="Courier New" pitchFamily="49" charset="0"/>
-              </a:rPr>
-              <a:t>]</a:t>
+              <a:t>    [code to execute]</a:t>
             </a:r>
           </a:p>
           <a:p>
@@ -24404,10 +24405,6 @@
               </a:rPr>
               <a:t>}</a:t>
             </a:r>
-            <a:endParaRPr lang="en-US" sz="1600" dirty="0" smtClean="0">
-              <a:latin typeface="Courier New" pitchFamily="49" charset="0"/>
-              <a:cs typeface="Courier New" pitchFamily="49" charset="0"/>
-            </a:endParaRPr>
           </a:p>
           <a:p>
             <a:r>
@@ -26685,11 +26682,7 @@
           <a:p>
             <a:r>
               <a:rPr lang="en-US" sz="3200" dirty="0" smtClean="0"/>
-              <a:t>Concurrent </a:t>
-            </a:r>
-            <a:r>
-              <a:rPr lang="en-US" sz="3200" dirty="0" smtClean="0"/>
-              <a:t>and distributed architecture</a:t>
+              <a:t>Concurrent and distributed architecture</a:t>
             </a:r>
           </a:p>
           <a:p>
@@ -26734,13 +26727,7 @@
               <a:rPr lang="en-US" sz="3200" dirty="0" smtClean="0">
                 <a:latin typeface="Gill Sans MT" panose="020B0502020104020203" pitchFamily="34" charset="0"/>
               </a:rPr>
-              <a:t>Implementation </a:t>
-            </a:r>
-            <a:r>
-              <a:rPr lang="en-US" sz="3200" dirty="0" smtClean="0">
-                <a:latin typeface="Gill Sans MT" panose="020B0502020104020203" pitchFamily="34" charset="0"/>
-              </a:rPr>
-              <a:t>complexity</a:t>
+              <a:t>Implementation complexity</a:t>
             </a:r>
           </a:p>
           <a:p>
@@ -28831,25 +28818,8 @@
                   </a:schemeClr>
                 </a:solidFill>
               </a:rPr>
-              <a:t>Model-based, event-driven </a:t>
-            </a:r>
-            <a:r>
-              <a:rPr lang="en-US" sz="3200" b="1" dirty="0" smtClean="0">
-                <a:solidFill>
-                  <a:schemeClr val="accent5">
-                    <a:lumMod val="75000"/>
-                  </a:schemeClr>
-                </a:solidFill>
-              </a:rPr>
-              <a:t>paradigm</a:t>
-            </a:r>
-            <a:endParaRPr lang="en-US" sz="3200" b="1" dirty="0" smtClean="0">
-              <a:solidFill>
-                <a:schemeClr val="accent5">
-                  <a:lumMod val="75000"/>
-                </a:schemeClr>
-              </a:solidFill>
-            </a:endParaRPr>
+              <a:t>Model-based, event-driven paradigm</a:t>
+            </a:r>
           </a:p>
           <a:p>
             <a:pPr lvl="1"/>
@@ -28864,7 +28834,6 @@
               <a:rPr lang="en-US" dirty="0" smtClean="0"/>
               <a:t>simple sequential semantics</a:t>
             </a:r>
-            <a:endParaRPr lang="en-US" dirty="0" smtClean="0"/>
           </a:p>
           <a:p>
             <a:pPr lvl="1"/>
@@ -28903,13 +28872,16 @@
             <a:pPr lvl="1"/>
             <a:r>
               <a:rPr lang="en-US" dirty="0" smtClean="0"/>
-              <a:t>manages access to </a:t>
+              <a:t>manages </a:t>
             </a:r>
             <a:r>
               <a:rPr lang="en-US" dirty="0" smtClean="0"/>
-              <a:t>shared state</a:t>
-            </a:r>
-            <a:endParaRPr lang="en-US" dirty="0" smtClean="0"/>
+              <a:t>accesses </a:t>
+            </a:r>
+            <a:r>
+              <a:rPr lang="en-US" dirty="0" smtClean="0"/>
+              <a:t>to shared state</a:t>
+            </a:r>
           </a:p>
           <a:p>
             <a:pPr lvl="1"/>
@@ -29391,7 +29363,6 @@
               <a:rPr lang="en-US" dirty="0"/>
               <a:t>REACT: Records, Contexts, Events</a:t>
             </a:r>
-            <a:endParaRPr lang="en-US" dirty="0"/>
           </a:p>
         </p:txBody>
       </p:sp>
@@ -29475,9 +29446,20 @@
             <a:pPr lvl="1"/>
             <a:r>
               <a:rPr lang="en-US" dirty="0"/>
-              <a:t>encapsulate different processes (nodes)</a:t>
-            </a:r>
-            <a:endParaRPr lang="en-US" sz="500" dirty="0"/>
+              <a:t>encapsulate different processes (nodes</a:t>
+            </a:r>
+            <a:r>
+              <a:rPr lang="en-US" dirty="0" smtClean="0"/>
+              <a:t>)</a:t>
+            </a:r>
+          </a:p>
+          <a:p>
+            <a:pPr lvl="1"/>
+            <a:r>
+              <a:rPr lang="en-US" dirty="0" smtClean="0"/>
+              <a:t>can store records</a:t>
+            </a:r>
+            <a:endParaRPr lang="en-US" dirty="0"/>
           </a:p>
           <a:p>
             <a:r>
@@ -29726,33 +29708,15 @@
                                   </p:childTnLst>
                                 </p:cTn>
                               </p:par>
-                            </p:childTnLst>
-                          </p:cTn>
-                        </p:par>
-                      </p:childTnLst>
-                    </p:cTn>
-                  </p:par>
-                  <p:par>
-                    <p:cTn id="17" fill="hold">
-                      <p:stCondLst>
-                        <p:cond delay="indefinite"/>
-                      </p:stCondLst>
-                      <p:childTnLst>
-                        <p:par>
-                          <p:cTn id="18" fill="hold">
-                            <p:stCondLst>
-                              <p:cond delay="0"/>
-                            </p:stCondLst>
-                            <p:childTnLst>
                               <p:par>
-                                <p:cTn id="19" presetID="1" presetClass="entr" presetSubtype="0" fill="hold" grpId="0" nodeType="clickEffect">
+                                <p:cTn id="17" presetID="1" presetClass="entr" presetSubtype="0" fill="hold" grpId="0" nodeType="withEffect">
                                   <p:stCondLst>
                                     <p:cond delay="0"/>
                                   </p:stCondLst>
                                   <p:childTnLst>
                                     <p:set>
                                       <p:cBhvr>
-                                        <p:cTn id="20" dur="1" fill="hold">
+                                        <p:cTn id="18" dur="1" fill="hold">
                                           <p:stCondLst>
                                             <p:cond delay="0"/>
                                           </p:stCondLst>
@@ -29775,8 +29739,26 @@
                                   </p:childTnLst>
                                 </p:cTn>
                               </p:par>
+                            </p:childTnLst>
+                          </p:cTn>
+                        </p:par>
+                      </p:childTnLst>
+                    </p:cTn>
+                  </p:par>
+                  <p:par>
+                    <p:cTn id="19" fill="hold">
+                      <p:stCondLst>
+                        <p:cond delay="indefinite"/>
+                      </p:stCondLst>
+                      <p:childTnLst>
+                        <p:par>
+                          <p:cTn id="20" fill="hold">
+                            <p:stCondLst>
+                              <p:cond delay="0"/>
+                            </p:stCondLst>
+                            <p:childTnLst>
                               <p:par>
-                                <p:cTn id="21" presetID="1" presetClass="entr" presetSubtype="0" fill="hold" grpId="0" nodeType="withEffect">
+                                <p:cTn id="21" presetID="1" presetClass="entr" presetSubtype="0" fill="hold" grpId="0" nodeType="clickEffect">
                                   <p:stCondLst>
                                     <p:cond delay="0"/>
                                   </p:stCondLst>
@@ -29823,6 +29805,37 @@
                                           <p:spTgt spid="3">
                                             <p:txEl>
                                               <p:pRg st="7" end="7"/>
+                                            </p:txEl>
+                                          </p:spTgt>
+                                        </p:tgtEl>
+                                        <p:attrNameLst>
+                                          <p:attrName>style.visibility</p:attrName>
+                                        </p:attrNameLst>
+                                      </p:cBhvr>
+                                      <p:to>
+                                        <p:strVal val="visible"/>
+                                      </p:to>
+                                    </p:set>
+                                  </p:childTnLst>
+                                </p:cTn>
+                              </p:par>
+                              <p:par>
+                                <p:cTn id="25" presetID="1" presetClass="entr" presetSubtype="0" fill="hold" grpId="0" nodeType="withEffect">
+                                  <p:stCondLst>
+                                    <p:cond delay="0"/>
+                                  </p:stCondLst>
+                                  <p:childTnLst>
+                                    <p:set>
+                                      <p:cBhvr>
+                                        <p:cTn id="26" dur="1" fill="hold">
+                                          <p:stCondLst>
+                                            <p:cond delay="0"/>
+                                          </p:stCondLst>
+                                        </p:cTn>
+                                        <p:tgtEl>
+                                          <p:spTgt spid="3">
+                                            <p:txEl>
+                                              <p:pRg st="8" end="8"/>
                                             </p:txEl>
                                           </p:spTgt>
                                         </p:tgtEl>
@@ -30108,11 +30121,7 @@
           <a:p>
             <a:r>
               <a:rPr lang="en-US" sz="3200" dirty="0" smtClean="0"/>
-              <a:t>Implement a </a:t>
-            </a:r>
-            <a:r>
-              <a:rPr lang="en-US" sz="3200" dirty="0" smtClean="0"/>
-              <a:t>beaver simulator:</a:t>
+              <a:t>Implement a beaver simulator:</a:t>
             </a:r>
             <a:br>
               <a:rPr lang="en-US" sz="3200" dirty="0" smtClean="0"/>
@@ -30541,11 +30550,7 @@
           <a:p>
             <a:r>
               <a:rPr lang="en-US" sz="3200" dirty="0" smtClean="0"/>
-              <a:t>concurren</a:t>
-            </a:r>
-            <a:r>
-              <a:rPr lang="en-US" sz="3200" dirty="0" smtClean="0"/>
-              <a:t>t access to (shared) beaver data</a:t>
+              <a:t>concurrent access to (shared) beaver data</a:t>
             </a:r>
           </a:p>
           <a:p>
